--- a/Maquette Projet.pptx
+++ b/Maquette Projet.pptx
@@ -791,7 +791,7 @@
           <a:p>
             <a:fld id="{B0C26267-2946-4D70-9E37-0A226DB93BA1}" type="datetimeFigureOut">
               <a:rPr lang="fr-FR" smtClean="0"/>
-              <a:t>21/12/2017</a:t>
+              <a:t>20/12/2017</a:t>
             </a:fld>
             <a:endParaRPr lang="fr-FR" dirty="0"/>
           </a:p>
@@ -1029,7 +1029,7 @@
           <a:p>
             <a:fld id="{B0C26267-2946-4D70-9E37-0A226DB93BA1}" type="datetimeFigureOut">
               <a:rPr lang="fr-FR" smtClean="0"/>
-              <a:t>21/12/2017</a:t>
+              <a:t>20/12/2017</a:t>
             </a:fld>
             <a:endParaRPr lang="fr-FR" dirty="0"/>
           </a:p>
@@ -1279,7 +1279,7 @@
           <a:p>
             <a:fld id="{B0C26267-2946-4D70-9E37-0A226DB93BA1}" type="datetimeFigureOut">
               <a:rPr lang="fr-FR" smtClean="0"/>
-              <a:t>21/12/2017</a:t>
+              <a:t>20/12/2017</a:t>
             </a:fld>
             <a:endParaRPr lang="fr-FR" dirty="0"/>
           </a:p>
@@ -1517,7 +1517,7 @@
           <a:p>
             <a:fld id="{B0C26267-2946-4D70-9E37-0A226DB93BA1}" type="datetimeFigureOut">
               <a:rPr lang="fr-FR" smtClean="0"/>
-              <a:t>21/12/2017</a:t>
+              <a:t>20/12/2017</a:t>
             </a:fld>
             <a:endParaRPr lang="fr-FR" dirty="0"/>
           </a:p>
@@ -1822,7 +1822,7 @@
           <a:p>
             <a:fld id="{B0C26267-2946-4D70-9E37-0A226DB93BA1}" type="datetimeFigureOut">
               <a:rPr lang="fr-FR" smtClean="0"/>
-              <a:t>21/12/2017</a:t>
+              <a:t>20/12/2017</a:t>
             </a:fld>
             <a:endParaRPr lang="fr-FR" dirty="0"/>
           </a:p>
@@ -2125,7 +2125,7 @@
           <a:p>
             <a:fld id="{B0C26267-2946-4D70-9E37-0A226DB93BA1}" type="datetimeFigureOut">
               <a:rPr lang="fr-FR" smtClean="0"/>
-              <a:t>21/12/2017</a:t>
+              <a:t>20/12/2017</a:t>
             </a:fld>
             <a:endParaRPr lang="fr-FR" dirty="0"/>
           </a:p>
@@ -2576,7 +2576,7 @@
           <a:p>
             <a:fld id="{B0C26267-2946-4D70-9E37-0A226DB93BA1}" type="datetimeFigureOut">
               <a:rPr lang="fr-FR" smtClean="0"/>
-              <a:t>21/12/2017</a:t>
+              <a:t>20/12/2017</a:t>
             </a:fld>
             <a:endParaRPr lang="fr-FR" dirty="0"/>
           </a:p>
@@ -2749,7 +2749,7 @@
           <a:p>
             <a:fld id="{B0C26267-2946-4D70-9E37-0A226DB93BA1}" type="datetimeFigureOut">
               <a:rPr lang="fr-FR" smtClean="0"/>
-              <a:t>21/12/2017</a:t>
+              <a:t>20/12/2017</a:t>
             </a:fld>
             <a:endParaRPr lang="fr-FR" dirty="0"/>
           </a:p>
@@ -3093,7 +3093,7 @@
           <a:p>
             <a:fld id="{B0C26267-2946-4D70-9E37-0A226DB93BA1}" type="datetimeFigureOut">
               <a:rPr lang="fr-FR" smtClean="0"/>
-              <a:t>21/12/2017</a:t>
+              <a:t>20/12/2017</a:t>
             </a:fld>
             <a:endParaRPr lang="fr-FR" dirty="0"/>
           </a:p>
@@ -3414,7 +3414,7 @@
           <a:p>
             <a:fld id="{B0C26267-2946-4D70-9E37-0A226DB93BA1}" type="datetimeFigureOut">
               <a:rPr lang="fr-FR" smtClean="0"/>
-              <a:t>21/12/2017</a:t>
+              <a:t>20/12/2017</a:t>
             </a:fld>
             <a:endParaRPr lang="fr-FR" dirty="0"/>
           </a:p>
@@ -5189,7 +5189,7 @@
             <a:avLst/>
           </a:prstGeom>
           <a:solidFill>
-            <a:srgbClr val="FFA3A3"/>
+            <a:srgbClr val="7F7F7F"/>
           </a:solidFill>
           <a:ln>
             <a:noFill/>
@@ -5580,7 +5580,7 @@
               <a:avLst/>
             </a:prstGeom>
             <a:solidFill>
-              <a:srgbClr val="FFA3A3"/>
+              <a:schemeClr val="bg1"/>
             </a:solidFill>
             <a:ln w="12700">
               <a:solidFill>
@@ -6190,7 +6190,7 @@
             <a:avLst/>
           </a:prstGeom>
           <a:solidFill>
-            <a:srgbClr val="FFA3A3"/>
+            <a:srgbClr val="7F7F7F"/>
           </a:solidFill>
           <a:ln>
             <a:noFill/>
@@ -6352,7 +6352,7 @@
             <a:avLst/>
           </a:prstGeom>
           <a:solidFill>
-            <a:srgbClr val="FFA3A3"/>
+            <a:srgbClr val="7F7F7F"/>
           </a:solidFill>
           <a:ln>
             <a:noFill/>
@@ -6566,7 +6566,7 @@
               <a:avLst/>
             </a:prstGeom>
             <a:solidFill>
-              <a:srgbClr val="FFA3A3"/>
+              <a:schemeClr val="bg1"/>
             </a:solidFill>
             <a:ln w="12700">
               <a:solidFill>
@@ -7353,7 +7353,7 @@
             <a:avLst/>
           </a:prstGeom>
           <a:solidFill>
-            <a:srgbClr val="FFA3A3"/>
+            <a:srgbClr val="7F7F7F"/>
           </a:solidFill>
           <a:ln>
             <a:noFill/>
@@ -7455,7 +7455,7 @@
             <a:avLst/>
           </a:prstGeom>
           <a:solidFill>
-            <a:srgbClr val="FFA3A3"/>
+            <a:srgbClr val="7F7F7F"/>
           </a:solidFill>
           <a:ln>
             <a:noFill/>
@@ -8696,7 +8696,7 @@
             <a:avLst/>
           </a:prstGeom>
           <a:solidFill>
-            <a:srgbClr val="FFA3A3"/>
+            <a:srgbClr val="7F7F7F"/>
           </a:solidFill>
           <a:ln>
             <a:noFill/>
@@ -8798,7 +8798,7 @@
             <a:avLst/>
           </a:prstGeom>
           <a:solidFill>
-            <a:srgbClr val="FFA3A3"/>
+            <a:srgbClr val="7F7F7F"/>
           </a:solidFill>
           <a:ln>
             <a:noFill/>
@@ -9373,7 +9373,7 @@
             <a:avLst/>
           </a:prstGeom>
           <a:solidFill>
-            <a:srgbClr val="FFA3A3"/>
+            <a:schemeClr val="bg1"/>
           </a:solidFill>
           <a:ln>
             <a:solidFill>
@@ -9428,7 +9428,7 @@
             <a:avLst/>
           </a:prstGeom>
           <a:solidFill>
-            <a:srgbClr val="FFA3A3"/>
+            <a:schemeClr val="bg1"/>
           </a:solidFill>
           <a:ln>
             <a:solidFill>
@@ -9595,7 +9595,7 @@
             <a:avLst/>
           </a:prstGeom>
           <a:solidFill>
-            <a:srgbClr val="FFA3A3"/>
+            <a:srgbClr val="7F7F7F"/>
           </a:solidFill>
           <a:ln>
             <a:noFill/>
@@ -9697,7 +9697,7 @@
             <a:avLst/>
           </a:prstGeom>
           <a:solidFill>
-            <a:srgbClr val="FFA3A3"/>
+            <a:srgbClr val="7F7F7F"/>
           </a:solidFill>
           <a:ln>
             <a:noFill/>
@@ -10272,7 +10272,7 @@
             <a:avLst/>
           </a:prstGeom>
           <a:solidFill>
-            <a:srgbClr val="FFA3A3"/>
+            <a:schemeClr val="bg1"/>
           </a:solidFill>
           <a:ln>
             <a:solidFill>
@@ -10570,7 +10570,7 @@
             <a:avLst/>
           </a:prstGeom>
           <a:solidFill>
-            <a:srgbClr val="FFA3A3"/>
+            <a:srgbClr val="7F7F7F"/>
           </a:solidFill>
           <a:ln>
             <a:noFill/>
@@ -10672,7 +10672,7 @@
             <a:avLst/>
           </a:prstGeom>
           <a:solidFill>
-            <a:srgbClr val="FFA3A3"/>
+            <a:srgbClr val="7F7F7F"/>
           </a:solidFill>
           <a:ln>
             <a:noFill/>
@@ -11247,7 +11247,7 @@
             <a:avLst/>
           </a:prstGeom>
           <a:solidFill>
-            <a:srgbClr val="FFA3A3"/>
+            <a:schemeClr val="bg1"/>
           </a:solidFill>
           <a:ln>
             <a:solidFill>
@@ -11599,7 +11599,7 @@
             <a:avLst/>
           </a:prstGeom>
           <a:solidFill>
-            <a:srgbClr val="FFA3A3"/>
+            <a:srgbClr val="7F7F7F"/>
           </a:solidFill>
           <a:ln>
             <a:noFill/>
@@ -11701,7 +11701,7 @@
             <a:avLst/>
           </a:prstGeom>
           <a:solidFill>
-            <a:srgbClr val="FFA3A3"/>
+            <a:srgbClr val="7F7F7F"/>
           </a:solidFill>
           <a:ln>
             <a:noFill/>
@@ -11901,7 +11901,7 @@
             <a:avLst/>
           </a:prstGeom>
           <a:solidFill>
-            <a:srgbClr val="FFA3A3"/>
+            <a:srgbClr val="7F7F7F"/>
           </a:solidFill>
           <a:ln>
             <a:noFill/>
@@ -11968,7 +11968,7 @@
             <a:avLst/>
           </a:prstGeom>
           <a:solidFill>
-            <a:srgbClr val="FFA3A3"/>
+            <a:srgbClr val="7F7F7F"/>
           </a:solidFill>
           <a:ln>
             <a:noFill/>
@@ -13326,11 +13326,7 @@
             <a:lstStyle/>
             <a:p>
               <a:r>
-                <a:rPr lang="fr-FR" dirty="0">
-                  <a:solidFill>
-                    <a:srgbClr val="FFA3A3"/>
-                  </a:solidFill>
-                </a:rPr>
+                <a:rPr lang="fr-FR" dirty="0"/>
                 <a:t>3. Tapez le choix 3</a:t>
               </a:r>
             </a:p>
@@ -13404,7 +13400,7 @@
             <a:avLst/>
           </a:prstGeom>
           <a:solidFill>
-            <a:srgbClr val="FFA3A3"/>
+            <a:schemeClr val="bg1"/>
           </a:solidFill>
           <a:ln w="12700">
             <a:solidFill>
@@ -13612,7 +13608,7 @@
             <a:avLst/>
           </a:prstGeom>
           <a:solidFill>
-            <a:srgbClr val="FFA3A3"/>
+            <a:srgbClr val="7F7F7F"/>
           </a:solidFill>
           <a:ln>
             <a:noFill/>
@@ -14128,11 +14124,7 @@
             <a:lstStyle/>
             <a:p>
               <a:r>
-                <a:rPr lang="fr-FR" dirty="0">
-                  <a:solidFill>
-                    <a:srgbClr val="FFA3A3"/>
-                  </a:solidFill>
-                </a:rPr>
+                <a:rPr lang="fr-FR" dirty="0"/>
                 <a:t>3. Tapez le choix 3</a:t>
               </a:r>
             </a:p>
@@ -14574,7 +14566,7 @@
             <a:avLst/>
           </a:prstGeom>
           <a:solidFill>
-            <a:srgbClr val="FFA3A3"/>
+            <a:srgbClr val="7F7F7F"/>
           </a:solidFill>
           <a:ln>
             <a:noFill/>
@@ -15138,7 +15130,7 @@
             <a:avLst/>
           </a:prstGeom>
           <a:solidFill>
-            <a:srgbClr val="FFA3A3"/>
+            <a:schemeClr val="bg1"/>
           </a:solidFill>
           <a:ln w="12700">
             <a:solidFill>
@@ -15378,7 +15370,7 @@
             <a:avLst/>
           </a:prstGeom>
           <a:solidFill>
-            <a:srgbClr val="FFA3A3"/>
+            <a:srgbClr val="7F7F7F"/>
           </a:solidFill>
           <a:ln>
             <a:noFill/>
@@ -16283,7 +16275,7 @@
             <a:avLst/>
           </a:prstGeom>
           <a:solidFill>
-            <a:srgbClr val="FFA3A3"/>
+            <a:srgbClr val="7F7F7F"/>
           </a:solidFill>
           <a:ln>
             <a:noFill/>
@@ -16408,18 +16400,11 @@
               </a:r>
               <a:r>
                 <a:rPr lang="fr-FR" dirty="0">
-                  <a:solidFill>
-                    <a:srgbClr val="FFA3A3"/>
-                  </a:solidFill>
                   <a:hlinkClick r:id="rId2" action="ppaction://hlinksldjump"/>
                 </a:rPr>
                 <a:t>http://blahblahblah4866545486565 </a:t>
               </a:r>
-              <a:endParaRPr lang="fr-FR" dirty="0">
-                <a:solidFill>
-                  <a:srgbClr val="FFA3A3"/>
-                </a:solidFill>
-              </a:endParaRPr>
+              <a:endParaRPr lang="fr-FR" dirty="0"/>
             </a:p>
           </p:txBody>
         </p:sp>
@@ -17225,7 +17210,7 @@
             <a:avLst/>
           </a:prstGeom>
           <a:solidFill>
-            <a:srgbClr val="FFA3A3"/>
+            <a:srgbClr val="7F7F7F"/>
           </a:solidFill>
           <a:ln>
             <a:noFill/>
@@ -17499,7 +17484,7 @@
               <a:avLst/>
             </a:prstGeom>
             <a:solidFill>
-              <a:srgbClr val="FFA3A3"/>
+              <a:schemeClr val="bg1"/>
             </a:solidFill>
             <a:ln w="12700">
               <a:solidFill>
@@ -17559,7 +17544,7 @@
             <a:avLst/>
           </a:prstGeom>
           <a:solidFill>
-            <a:srgbClr val="FFA3A3"/>
+            <a:srgbClr val="7F7F7F"/>
           </a:solidFill>
           <a:ln>
             <a:noFill/>
@@ -17743,7 +17728,7 @@
               <a:avLst/>
             </a:prstGeom>
             <a:solidFill>
-              <a:srgbClr val="FFA3A3"/>
+              <a:schemeClr val="bg1"/>
             </a:solidFill>
             <a:ln w="12700">
               <a:solidFill>
@@ -18173,7 +18158,7 @@
             <a:avLst/>
           </a:prstGeom>
           <a:solidFill>
-            <a:srgbClr val="FFA3A3"/>
+            <a:srgbClr val="7F7F7F"/>
           </a:solidFill>
           <a:ln>
             <a:noFill/>
@@ -18559,7 +18544,7 @@
 
 <file path=customXml/item1.xml><?xml version="1.0" encoding="utf-8"?>
 <Control xmlns="http://schemas.microsoft.com/VisualStudio/2011/storyboarding/control">
-  <Id Name="System.Storyboarding.Backgrounds.WebBrowser" Revision="1" Stencil="System.Storyboarding.Backgrounds" StencilVersion="0.1"/>
+  <Id Name="System.Storyboarding.WindowsApps.WindowsAppsButton" Revision="1" Stencil="System.Storyboarding.WindowsApps" StencilVersion="0.1"/>
 </Control>
 </file>
 
@@ -18571,13 +18556,13 @@
 
 <file path=customXml/item11.xml><?xml version="1.0" encoding="utf-8"?>
 <Control xmlns="http://schemas.microsoft.com/VisualStudio/2011/storyboarding/control">
-  <Id Name="System.Storyboarding.WindowsApps.WindowsAppsButton" Revision="1" Stencil="System.Storyboarding.WindowsApps" StencilVersion="0.1"/>
+  <Id Name="System.Storyboarding.Media.PieChart" Revision="1" Stencil="System.Storyboarding.Media" StencilVersion="0.1"/>
 </Control>
 </file>
 
 <file path=customXml/item12.xml><?xml version="1.0" encoding="utf-8"?>
 <Control xmlns="http://schemas.microsoft.com/VisualStudio/2011/storyboarding/control">
-  <Id Name="600d61f4-2d09-42e6-a6db-83e260e051ae" RevisionId="3c9eb7e9-0ea7-4fb5-adc7-dcc81ff0fb36" Stencil="172d6d98-e5c9-42e9-a209-79f7a94bbd38" StencilRevisionId="00000000-0000-0000-0000-000000000000" StencilVersion="0.0"/>
+  <Id Name="System.Storyboarding.Annotation.AnimatedRectangleCallout" Revision="1" Stencil="System.Storyboarding.Annotation" StencilVersion="0.1"/>
 </Control>
 </file>
 
@@ -18613,7 +18598,7 @@
 
 <file path=customXml/item18.xml><?xml version="1.0" encoding="utf-8"?>
 <Control xmlns="http://schemas.microsoft.com/VisualStudio/2011/storyboarding/control">
-  <Id Name="9d9c56e0-6ca3-4298-b757-9c73dab947ac" RevisionId="993ea365-49c2-46dc-bf14-e971e460de1e" Stencil="172d6d98-e5c9-42e9-a209-79f7a94bbd38" StencilRevisionId="00000000-0000-0000-0000-000000000000" StencilVersion="0.0"/>
+  <Id Name="System.Storyboarding.WindowsApps.WindowsAppsProgressBar" Revision="1" Stencil="System.Storyboarding.WindowsApps" StencilVersion="0.1"/>
 </Control>
 </file>
 
@@ -18631,7 +18616,7 @@
 
 <file path=customXml/item20.xml><?xml version="1.0" encoding="utf-8"?>
 <Control xmlns="http://schemas.microsoft.com/VisualStudio/2011/storyboarding/control">
-  <Id Name="System.Storyboarding.WindowsApps.WindowsAppsButton" Revision="1" Stencil="System.Storyboarding.WindowsApps" StencilVersion="0.1"/>
+  <Id Name="System.Storyboarding.Backgrounds.BrowserWindows8" Revision="1" Stencil="System.Storyboarding.Backgrounds" StencilVersion="0.1"/>
 </Control>
 </file>
 
@@ -18655,7 +18640,7 @@
 
 <file path=customXml/item24.xml><?xml version="1.0" encoding="utf-8"?>
 <Control xmlns="http://schemas.microsoft.com/VisualStudio/2011/storyboarding/control">
-  <Id Name="System.Storyboarding.Annotation.AnimatedRectangleCallout" Revision="1" Stencil="System.Storyboarding.Annotation" StencilVersion="0.1"/>
+  <Id Name="System.Storyboarding.Common.CheckBoxChecked" Revision="1" Stencil="System.Storyboarding.Common" StencilVersion="0.1"/>
 </Control>
 </file>
 
@@ -18673,25 +18658,25 @@
 
 <file path=customXml/item27.xml><?xml version="1.0" encoding="utf-8"?>
 <Control xmlns="http://schemas.microsoft.com/VisualStudio/2011/storyboarding/control">
-  <Id Name="System.Storyboarding.Annotation.AnimatedRectangleCallout" Revision="1" Stencil="System.Storyboarding.Annotation" StencilVersion="0.1"/>
+  <Id Name="System.Storyboarding.WindowsApps.WindowsAppsButton" Revision="1" Stencil="System.Storyboarding.WindowsApps" StencilVersion="0.1"/>
 </Control>
 </file>
 
 <file path=customXml/item28.xml><?xml version="1.0" encoding="utf-8"?>
 <Control xmlns="http://schemas.microsoft.com/VisualStudio/2011/storyboarding/control">
-  <Id Name="System.Storyboarding.WindowsApps.WindowsAppsButton" Revision="1" Stencil="System.Storyboarding.WindowsApps" StencilVersion="0.1"/>
+  <Id Name="366cd925-969f-44e1-b789-354cb31b0dfd" RevisionId="87c5073a-f3d6-4c7e-a7b7-c9586eacad3b" Stencil="172d6d98-e5c9-42e9-a209-79f7a94bbd38" StencilRevisionId="00000000-0000-0000-0000-000000000000" StencilVersion="0.0"/>
 </Control>
 </file>
 
 <file path=customXml/item29.xml><?xml version="1.0" encoding="utf-8"?>
 <Control xmlns="http://schemas.microsoft.com/VisualStudio/2011/storyboarding/control">
-  <Id Name="System.Storyboarding.WindowsApps.WindowsAppsButton" Revision="1" Stencil="System.Storyboarding.WindowsApps" StencilVersion="0.1"/>
+  <Id Name="366cd925-969f-44e1-b789-354cb31b0dfd" RevisionId="87c5073a-f3d6-4c7e-a7b7-c9586eacad3b" Stencil="172d6d98-e5c9-42e9-a209-79f7a94bbd38" StencilRevisionId="00000000-0000-0000-0000-000000000000" StencilVersion="0.0"/>
 </Control>
 </file>
 
 <file path=customXml/item3.xml><?xml version="1.0" encoding="utf-8"?>
 <Control xmlns="http://schemas.microsoft.com/VisualStudio/2011/storyboarding/control">
-  <Id Name="System.Storyboarding.WindowsApps.WindowsAppsTileMedium" Revision="1" Stencil="System.Storyboarding.WindowsApps" StencilVersion="0.1"/>
+  <Id Name="System.Storyboarding.WindowsApps.WindowsAppsButton" Revision="1" Stencil="System.Storyboarding.WindowsApps" StencilVersion="0.1"/>
 </Control>
 </file>
 
@@ -18709,7 +18694,7 @@
 
 <file path=customXml/item32.xml><?xml version="1.0" encoding="utf-8"?>
 <Control xmlns="http://schemas.microsoft.com/VisualStudio/2011/storyboarding/control">
-  <Id Name="System.Storyboarding.Annotation.AnimatedRectangleCallout" Revision="1" Stencil="System.Storyboarding.Annotation" StencilVersion="0.1"/>
+  <Id Name="System.Storyboarding.WindowsApps.WindowsAppsWideTileText" Revision="1" Stencil="System.Storyboarding.WindowsApps" StencilVersion="0.1"/>
 </Control>
 </file>
 
@@ -18721,13 +18706,13 @@
 
 <file path=customXml/item34.xml><?xml version="1.0" encoding="utf-8"?>
 <Control xmlns="http://schemas.microsoft.com/VisualStudio/2011/storyboarding/control">
-  <Id Name="System.Storyboarding.WindowsApps.WindowsAppsButton" Revision="1" Stencil="System.Storyboarding.WindowsApps" StencilVersion="0.1"/>
+  <Id Name="System.Storyboarding.WindowsApps.WindowsAppsProgressBar" Revision="1" Stencil="System.Storyboarding.WindowsApps" StencilVersion="0.1"/>
 </Control>
 </file>
 
 <file path=customXml/item35.xml><?xml version="1.0" encoding="utf-8"?>
 <Control xmlns="http://schemas.microsoft.com/VisualStudio/2011/storyboarding/control">
-  <Id Name="System.Storyboarding.WindowsApps.WindowsAppsButton" Revision="1" Stencil="System.Storyboarding.WindowsApps" StencilVersion="0.1"/>
+  <Id Name="System.Storyboarding.Annotation.AnimatedRectangleCallout" Revision="1" Stencil="System.Storyboarding.Annotation" StencilVersion="0.1"/>
 </Control>
 </file>
 
@@ -18745,19 +18730,19 @@
 
 <file path=customXml/item38.xml><?xml version="1.0" encoding="utf-8"?>
 <Control xmlns="http://schemas.microsoft.com/VisualStudio/2011/storyboarding/control">
-  <Id Name="System.Storyboarding.WindowsApps.WindowsAppsProgressBar" Revision="1" Stencil="System.Storyboarding.WindowsApps" StencilVersion="0.1"/>
+  <Id Name="System.Storyboarding.WindowsApps.WindowsAppsButton" Revision="1" Stencil="System.Storyboarding.WindowsApps" StencilVersion="0.1"/>
 </Control>
 </file>
 
 <file path=customXml/item39.xml><?xml version="1.0" encoding="utf-8"?>
 <Control xmlns="http://schemas.microsoft.com/VisualStudio/2011/storyboarding/control">
-  <Id Name="System.Storyboarding.Backgrounds.BrowserWindows8" Revision="1" Stencil="System.Storyboarding.Backgrounds" StencilVersion="0.1"/>
+  <Id Name="System.Storyboarding.WindowsApps.WindowsAppsButton" Revision="1" Stencil="System.Storyboarding.WindowsApps" StencilVersion="0.1"/>
 </Control>
 </file>
 
 <file path=customXml/item4.xml><?xml version="1.0" encoding="utf-8"?>
 <Control xmlns="http://schemas.microsoft.com/VisualStudio/2011/storyboarding/control">
-  <Id Name="System.Storyboarding.WindowsApps.WindowsAppsButton" Revision="1" Stencil="System.Storyboarding.WindowsApps" StencilVersion="0.1"/>
+  <Id Name="9d9c56e0-6ca3-4298-b757-9c73dab947ac" RevisionId="993ea365-49c2-46dc-bf14-e971e460de1e" Stencil="172d6d98-e5c9-42e9-a209-79f7a94bbd38" StencilRevisionId="00000000-0000-0000-0000-000000000000" StencilVersion="0.0"/>
 </Control>
 </file>
 
@@ -18787,13 +18772,13 @@
 
 <file path=customXml/item44.xml><?xml version="1.0" encoding="utf-8"?>
 <Control xmlns="http://schemas.microsoft.com/VisualStudio/2011/storyboarding/control">
-  <Id Name="System.Storyboarding.WindowsApps.WindowsAppsProgressBar" Revision="1" Stencil="System.Storyboarding.WindowsApps" StencilVersion="0.1"/>
+  <Id Name="System.Storyboarding.WindowsApps.WindowsAppsTileMedium" Revision="1" Stencil="System.Storyboarding.WindowsApps" StencilVersion="0.1"/>
 </Control>
 </file>
 
 <file path=customXml/item45.xml><?xml version="1.0" encoding="utf-8"?>
 <Control xmlns="http://schemas.microsoft.com/VisualStudio/2011/storyboarding/control">
-  <Id Name="System.Storyboarding.WindowsApps.WindowsAppsButton" Revision="1" Stencil="System.Storyboarding.WindowsApps" StencilVersion="0.1"/>
+  <Id Name="600d61f4-2d09-42e6-a6db-83e260e051ae" RevisionId="3c9eb7e9-0ea7-4fb5-adc7-dcc81ff0fb36" Stencil="172d6d98-e5c9-42e9-a209-79f7a94bbd38" StencilRevisionId="00000000-0000-0000-0000-000000000000" StencilVersion="0.0"/>
 </Control>
 </file>
 
@@ -18805,7 +18790,7 @@
 
 <file path=customXml/item47.xml><?xml version="1.0" encoding="utf-8"?>
 <Control xmlns="http://schemas.microsoft.com/VisualStudio/2011/storyboarding/control">
-  <Id Name="366cd925-969f-44e1-b789-354cb31b0dfd" RevisionId="87c5073a-f3d6-4c7e-a7b7-c9586eacad3b" Stencil="172d6d98-e5c9-42e9-a209-79f7a94bbd38" StencilRevisionId="00000000-0000-0000-0000-000000000000" StencilVersion="0.0"/>
+  <Id Name="System.Storyboarding.WindowsApps.WindowsAppsButton" Revision="1" Stencil="System.Storyboarding.WindowsApps" StencilVersion="0.1"/>
 </Control>
 </file>
 
@@ -18829,7 +18814,7 @@
 
 <file path=customXml/item50.xml><?xml version="1.0" encoding="utf-8"?>
 <Control xmlns="http://schemas.microsoft.com/VisualStudio/2011/storyboarding/control">
-  <Id Name="System.Storyboarding.Backgrounds.WebBrowser" Revision="1" Stencil="System.Storyboarding.Backgrounds" StencilVersion="0.1"/>
+  <Id Name="System.Storyboarding.WindowsApps.WindowsAppsButton" Revision="1" Stencil="System.Storyboarding.WindowsApps" StencilVersion="0.1"/>
 </Control>
 </file>
 
@@ -18847,7 +18832,7 @@
 
 <file path=customXml/item53.xml><?xml version="1.0" encoding="utf-8"?>
 <Control xmlns="http://schemas.microsoft.com/VisualStudio/2011/storyboarding/control">
-  <Id Name="System.Storyboarding.WindowsApps.WindowsAppsTileMedium" Revision="1" Stencil="System.Storyboarding.WindowsApps" StencilVersion="0.1"/>
+  <Id Name="System.Storyboarding.WindowsApps.WindowsAppsButton" Revision="1" Stencil="System.Storyboarding.WindowsApps" StencilVersion="0.1"/>
 </Control>
 </file>
 
@@ -18859,19 +18844,19 @@
 
 <file path=customXml/item55.xml><?xml version="1.0" encoding="utf-8"?>
 <Control xmlns="http://schemas.microsoft.com/VisualStudio/2011/storyboarding/control">
-  <Id Name="System.Storyboarding.WindowsApps.WindowsAppsButton" Revision="1" Stencil="System.Storyboarding.WindowsApps" StencilVersion="0.1"/>
+  <Id Name="System.Storyboarding.Backgrounds.WebBrowser" Revision="1" Stencil="System.Storyboarding.Backgrounds" StencilVersion="0.1"/>
 </Control>
 </file>
 
 <file path=customXml/item56.xml><?xml version="1.0" encoding="utf-8"?>
 <Control xmlns="http://schemas.microsoft.com/VisualStudio/2011/storyboarding/control">
-  <Id Name="System.Storyboarding.WindowsApps.WindowsAppsButton" Revision="1" Stencil="System.Storyboarding.WindowsApps" StencilVersion="0.1"/>
+  <Id Name="System.Storyboarding.Annotation.AnimatedRectangleCallout" Revision="1" Stencil="System.Storyboarding.Annotation" StencilVersion="0.1"/>
 </Control>
 </file>
 
 <file path=customXml/item57.xml><?xml version="1.0" encoding="utf-8"?>
 <Control xmlns="http://schemas.microsoft.com/VisualStudio/2011/storyboarding/control">
-  <Id Name="System.Storyboarding.WindowsApps.WindowsAppsProgressBar" Revision="1" Stencil="System.Storyboarding.WindowsApps" StencilVersion="0.1"/>
+  <Id Name="System.Storyboarding.Backgrounds.WebBrowser" Revision="1" Stencil="System.Storyboarding.Backgrounds" StencilVersion="0.1"/>
 </Control>
 </file>
 
@@ -18883,13 +18868,13 @@
 
 <file path=customXml/item59.xml><?xml version="1.0" encoding="utf-8"?>
 <Control xmlns="http://schemas.microsoft.com/VisualStudio/2011/storyboarding/control">
-  <Id Name="System.Storyboarding.WindowsApps.WindowsAppsButton" Revision="1" Stencil="System.Storyboarding.WindowsApps" StencilVersion="0.1"/>
+  <Id Name="System.Storyboarding.WindowsApps.WindowsAppsProgressBar" Revision="1" Stencil="System.Storyboarding.WindowsApps" StencilVersion="0.1"/>
 </Control>
 </file>
 
 <file path=customXml/item6.xml><?xml version="1.0" encoding="utf-8"?>
 <Control xmlns="http://schemas.microsoft.com/VisualStudio/2011/storyboarding/control">
-  <Id Name="366cd925-969f-44e1-b789-354cb31b0dfd" RevisionId="87c5073a-f3d6-4c7e-a7b7-c9586eacad3b" Stencil="172d6d98-e5c9-42e9-a209-79f7a94bbd38" StencilRevisionId="00000000-0000-0000-0000-000000000000" StencilVersion="0.0"/>
+  <Id Name="System.Storyboarding.WindowsApps.WindowsAppsProgressBar" Revision="1" Stencil="System.Storyboarding.WindowsApps" StencilVersion="0.1"/>
 </Control>
 </file>
 
@@ -18901,7 +18886,7 @@
 
 <file path=customXml/item61.xml><?xml version="1.0" encoding="utf-8"?>
 <Control xmlns="http://schemas.microsoft.com/VisualStudio/2011/storyboarding/control">
-  <Id Name="System.Storyboarding.WindowsApps.WindowsAppsProgressBar" Revision="1" Stencil="System.Storyboarding.WindowsApps" StencilVersion="0.1"/>
+  <Id Name="System.Storyboarding.WindowsApps.WindowsAppsButton" Revision="1" Stencil="System.Storyboarding.WindowsApps" StencilVersion="0.1"/>
 </Control>
 </file>
 
@@ -18925,24 +18910,24 @@
 
 <file path=customXml/item7.xml><?xml version="1.0" encoding="utf-8"?>
 <Control xmlns="http://schemas.microsoft.com/VisualStudio/2011/storyboarding/control">
-  <Id Name="System.Storyboarding.Media.PieChart" Revision="1" Stencil="System.Storyboarding.Media" StencilVersion="0.1"/>
+  <Id Name="System.Storyboarding.WindowsApps.WindowsAppsTileMedium" Revision="1" Stencil="System.Storyboarding.WindowsApps" StencilVersion="0.1"/>
 </Control>
 </file>
 
 <file path=customXml/item8.xml><?xml version="1.0" encoding="utf-8"?>
 <Control xmlns="http://schemas.microsoft.com/VisualStudio/2011/storyboarding/control">
-  <Id Name="System.Storyboarding.Common.CheckBoxChecked" Revision="1" Stencil="System.Storyboarding.Common" StencilVersion="0.1"/>
+  <Id Name="System.Storyboarding.WindowsApps.WindowsAppsButton" Revision="1" Stencil="System.Storyboarding.WindowsApps" StencilVersion="0.1"/>
 </Control>
 </file>
 
 <file path=customXml/item9.xml><?xml version="1.0" encoding="utf-8"?>
 <Control xmlns="http://schemas.microsoft.com/VisualStudio/2011/storyboarding/control">
-  <Id Name="System.Storyboarding.WindowsApps.WindowsAppsWideTileText" Revision="1" Stencil="System.Storyboarding.WindowsApps" StencilVersion="0.1"/>
+  <Id Name="System.Storyboarding.WindowsApps.WindowsAppsButton" Revision="1" Stencil="System.Storyboarding.WindowsApps" StencilVersion="0.1"/>
 </Control>
 </file>
 
 <file path=customXml/itemProps1.xml><?xml version="1.0" encoding="utf-8"?>
-<ds:datastoreItem xmlns:ds="http://schemas.openxmlformats.org/officeDocument/2006/customXml" ds:itemID="{A182F6B9-36DB-45AC-8D63-BA6438C93745}">
+<ds:datastoreItem xmlns:ds="http://schemas.openxmlformats.org/officeDocument/2006/customXml" ds:itemID="{A0AE41B5-C751-4BE2-A728-4489407E57BB}">
   <ds:schemaRefs>
     <ds:schemaRef ds:uri="http://schemas.microsoft.com/VisualStudio/2011/storyboarding/control"/>
   </ds:schemaRefs>
@@ -18950,6 +18935,238 @@
 </file>
 
 <file path=customXml/itemProps10.xml><?xml version="1.0" encoding="utf-8"?>
+<ds:datastoreItem xmlns:ds="http://schemas.openxmlformats.org/officeDocument/2006/customXml" ds:itemID="{BFAA198F-1694-4EE0-8623-F1193A6C08F3}">
+  <ds:schemaRefs>
+    <ds:schemaRef ds:uri="http://schemas.microsoft.com/VisualStudio/2011/storyboarding/control"/>
+  </ds:schemaRefs>
+</ds:datastoreItem>
+</file>
+
+<file path=customXml/itemProps11.xml><?xml version="1.0" encoding="utf-8"?>
+<ds:datastoreItem xmlns:ds="http://schemas.openxmlformats.org/officeDocument/2006/customXml" ds:itemID="{6494CEC1-8EAC-4B54-8BE8-7F35160D8CC8}">
+  <ds:schemaRefs>
+    <ds:schemaRef ds:uri="http://schemas.microsoft.com/VisualStudio/2011/storyboarding/control"/>
+  </ds:schemaRefs>
+</ds:datastoreItem>
+</file>
+
+<file path=customXml/itemProps12.xml><?xml version="1.0" encoding="utf-8"?>
+<ds:datastoreItem xmlns:ds="http://schemas.openxmlformats.org/officeDocument/2006/customXml" ds:itemID="{C07AF245-FDEA-4B2B-A936-518D8D4BEFA0}">
+  <ds:schemaRefs>
+    <ds:schemaRef ds:uri="http://schemas.microsoft.com/VisualStudio/2011/storyboarding/control"/>
+  </ds:schemaRefs>
+</ds:datastoreItem>
+</file>
+
+<file path=customXml/itemProps13.xml><?xml version="1.0" encoding="utf-8"?>
+<ds:datastoreItem xmlns:ds="http://schemas.openxmlformats.org/officeDocument/2006/customXml" ds:itemID="{C2713238-B89D-4ED6-A056-0FA4DFB06AB1}">
+  <ds:schemaRefs>
+    <ds:schemaRef ds:uri="http://schemas.microsoft.com/VisualStudio/2011/storyboarding/control"/>
+  </ds:schemaRefs>
+</ds:datastoreItem>
+</file>
+
+<file path=customXml/itemProps14.xml><?xml version="1.0" encoding="utf-8"?>
+<ds:datastoreItem xmlns:ds="http://schemas.openxmlformats.org/officeDocument/2006/customXml" ds:itemID="{F48B1E33-E681-49A9-8583-46A35AA3A141}">
+  <ds:schemaRefs>
+    <ds:schemaRef ds:uri="http://schemas.microsoft.com/VisualStudio/2011/storyboarding/control"/>
+  </ds:schemaRefs>
+</ds:datastoreItem>
+</file>
+
+<file path=customXml/itemProps15.xml><?xml version="1.0" encoding="utf-8"?>
+<ds:datastoreItem xmlns:ds="http://schemas.openxmlformats.org/officeDocument/2006/customXml" ds:itemID="{3414AA95-8ADB-44CB-8538-9CC882795579}">
+  <ds:schemaRefs>
+    <ds:schemaRef ds:uri="http://schemas.microsoft.com/VisualStudio/2011/storyboarding/control"/>
+  </ds:schemaRefs>
+</ds:datastoreItem>
+</file>
+
+<file path=customXml/itemProps16.xml><?xml version="1.0" encoding="utf-8"?>
+<ds:datastoreItem xmlns:ds="http://schemas.openxmlformats.org/officeDocument/2006/customXml" ds:itemID="{F3D15DDB-BCBB-460E-9E76-10E04BFFCF82}">
+  <ds:schemaRefs>
+    <ds:schemaRef ds:uri="http://schemas.microsoft.com/VisualStudio/2011/storyboarding/control"/>
+  </ds:schemaRefs>
+</ds:datastoreItem>
+</file>
+
+<file path=customXml/itemProps17.xml><?xml version="1.0" encoding="utf-8"?>
+<ds:datastoreItem xmlns:ds="http://schemas.openxmlformats.org/officeDocument/2006/customXml" ds:itemID="{41D7C1DA-EE25-4ADE-8EDE-DBE0585E7F9F}">
+  <ds:schemaRefs>
+    <ds:schemaRef ds:uri="http://schemas.microsoft.com/VisualStudio/2011/storyboarding/control"/>
+  </ds:schemaRefs>
+</ds:datastoreItem>
+</file>
+
+<file path=customXml/itemProps18.xml><?xml version="1.0" encoding="utf-8"?>
+<ds:datastoreItem xmlns:ds="http://schemas.openxmlformats.org/officeDocument/2006/customXml" ds:itemID="{D65AF806-1B66-4A13-97F8-3F64FD25D2A0}">
+  <ds:schemaRefs>
+    <ds:schemaRef ds:uri="http://schemas.microsoft.com/VisualStudio/2011/storyboarding/control"/>
+  </ds:schemaRefs>
+</ds:datastoreItem>
+</file>
+
+<file path=customXml/itemProps19.xml><?xml version="1.0" encoding="utf-8"?>
+<ds:datastoreItem xmlns:ds="http://schemas.openxmlformats.org/officeDocument/2006/customXml" ds:itemID="{6D63DCE2-A1FC-42FF-87F3-8E68417A5128}">
+  <ds:schemaRefs>
+    <ds:schemaRef ds:uri="http://schemas.microsoft.com/VisualStudio/2011/storyboarding/control"/>
+  </ds:schemaRefs>
+</ds:datastoreItem>
+</file>
+
+<file path=customXml/itemProps2.xml><?xml version="1.0" encoding="utf-8"?>
+<ds:datastoreItem xmlns:ds="http://schemas.openxmlformats.org/officeDocument/2006/customXml" ds:itemID="{B13AA660-EF28-4A14-B018-8D738D12A906}">
+  <ds:schemaRefs>
+    <ds:schemaRef ds:uri="http://schemas.microsoft.com/VisualStudio/2011/storyboarding/control"/>
+  </ds:schemaRefs>
+</ds:datastoreItem>
+</file>
+
+<file path=customXml/itemProps20.xml><?xml version="1.0" encoding="utf-8"?>
+<ds:datastoreItem xmlns:ds="http://schemas.openxmlformats.org/officeDocument/2006/customXml" ds:itemID="{8C91F00D-2897-40F0-877F-FA2C47BB0E28}">
+  <ds:schemaRefs>
+    <ds:schemaRef ds:uri="http://schemas.microsoft.com/VisualStudio/2011/storyboarding/control"/>
+  </ds:schemaRefs>
+</ds:datastoreItem>
+</file>
+
+<file path=customXml/itemProps21.xml><?xml version="1.0" encoding="utf-8"?>
+<ds:datastoreItem xmlns:ds="http://schemas.openxmlformats.org/officeDocument/2006/customXml" ds:itemID="{069DF31B-8028-4A4B-A05D-73D6F4E82BC5}">
+  <ds:schemaRefs>
+    <ds:schemaRef ds:uri="http://schemas.microsoft.com/VisualStudio/2011/storyboarding/control"/>
+  </ds:schemaRefs>
+</ds:datastoreItem>
+</file>
+
+<file path=customXml/itemProps22.xml><?xml version="1.0" encoding="utf-8"?>
+<ds:datastoreItem xmlns:ds="http://schemas.openxmlformats.org/officeDocument/2006/customXml" ds:itemID="{11324179-3348-450D-AD50-44BF1A04CD79}">
+  <ds:schemaRefs>
+    <ds:schemaRef ds:uri="http://schemas.microsoft.com/VisualStudio/2011/storyboarding/control"/>
+  </ds:schemaRefs>
+</ds:datastoreItem>
+</file>
+
+<file path=customXml/itemProps23.xml><?xml version="1.0" encoding="utf-8"?>
+<ds:datastoreItem xmlns:ds="http://schemas.openxmlformats.org/officeDocument/2006/customXml" ds:itemID="{0F21FA22-A60C-4703-A1F6-44050722901E}">
+  <ds:schemaRefs>
+    <ds:schemaRef ds:uri="http://schemas.microsoft.com/VisualStudio/2011/storyboarding/control"/>
+  </ds:schemaRefs>
+</ds:datastoreItem>
+</file>
+
+<file path=customXml/itemProps24.xml><?xml version="1.0" encoding="utf-8"?>
+<ds:datastoreItem xmlns:ds="http://schemas.openxmlformats.org/officeDocument/2006/customXml" ds:itemID="{4423444C-A97A-4A94-8F35-1789E97D6974}">
+  <ds:schemaRefs>
+    <ds:schemaRef ds:uri="http://schemas.microsoft.com/VisualStudio/2011/storyboarding/control"/>
+  </ds:schemaRefs>
+</ds:datastoreItem>
+</file>
+
+<file path=customXml/itemProps25.xml><?xml version="1.0" encoding="utf-8"?>
+<ds:datastoreItem xmlns:ds="http://schemas.openxmlformats.org/officeDocument/2006/customXml" ds:itemID="{182315BB-4EB8-4408-8D50-FA3B4C32822C}">
+  <ds:schemaRefs>
+    <ds:schemaRef ds:uri="http://schemas.microsoft.com/VisualStudio/2011/storyboarding/control"/>
+  </ds:schemaRefs>
+</ds:datastoreItem>
+</file>
+
+<file path=customXml/itemProps26.xml><?xml version="1.0" encoding="utf-8"?>
+<ds:datastoreItem xmlns:ds="http://schemas.openxmlformats.org/officeDocument/2006/customXml" ds:itemID="{B3B144FB-8DEC-442E-B525-8287DB341B2B}">
+  <ds:schemaRefs>
+    <ds:schemaRef ds:uri="http://schemas.microsoft.com/VisualStudio/2011/storyboarding/control"/>
+  </ds:schemaRefs>
+</ds:datastoreItem>
+</file>
+
+<file path=customXml/itemProps27.xml><?xml version="1.0" encoding="utf-8"?>
+<ds:datastoreItem xmlns:ds="http://schemas.openxmlformats.org/officeDocument/2006/customXml" ds:itemID="{04F4643B-75D3-4D90-B4CB-E7BA1F5A3925}">
+  <ds:schemaRefs>
+    <ds:schemaRef ds:uri="http://schemas.microsoft.com/VisualStudio/2011/storyboarding/control"/>
+  </ds:schemaRefs>
+</ds:datastoreItem>
+</file>
+
+<file path=customXml/itemProps28.xml><?xml version="1.0" encoding="utf-8"?>
+<ds:datastoreItem xmlns:ds="http://schemas.openxmlformats.org/officeDocument/2006/customXml" ds:itemID="{D3032AE8-14A9-41E6-8BB9-4553C2FFF265}">
+  <ds:schemaRefs>
+    <ds:schemaRef ds:uri="http://schemas.microsoft.com/VisualStudio/2011/storyboarding/control"/>
+  </ds:schemaRefs>
+</ds:datastoreItem>
+</file>
+
+<file path=customXml/itemProps29.xml><?xml version="1.0" encoding="utf-8"?>
+<ds:datastoreItem xmlns:ds="http://schemas.openxmlformats.org/officeDocument/2006/customXml" ds:itemID="{628EAB25-F23C-4A91-8FC2-DD3A0798056D}">
+  <ds:schemaRefs>
+    <ds:schemaRef ds:uri="http://schemas.microsoft.com/VisualStudio/2011/storyboarding/control"/>
+  </ds:schemaRefs>
+</ds:datastoreItem>
+</file>
+
+<file path=customXml/itemProps3.xml><?xml version="1.0" encoding="utf-8"?>
+<ds:datastoreItem xmlns:ds="http://schemas.openxmlformats.org/officeDocument/2006/customXml" ds:itemID="{EB446808-24AC-4468-AB4F-A1EB1B6A4BCC}">
+  <ds:schemaRefs>
+    <ds:schemaRef ds:uri="http://schemas.microsoft.com/VisualStudio/2011/storyboarding/control"/>
+  </ds:schemaRefs>
+</ds:datastoreItem>
+</file>
+
+<file path=customXml/itemProps30.xml><?xml version="1.0" encoding="utf-8"?>
+<ds:datastoreItem xmlns:ds="http://schemas.openxmlformats.org/officeDocument/2006/customXml" ds:itemID="{68E00592-4481-4E2B-8359-30C388D7B489}">
+  <ds:schemaRefs>
+    <ds:schemaRef ds:uri="http://schemas.microsoft.com/VisualStudio/2011/storyboarding/control"/>
+  </ds:schemaRefs>
+</ds:datastoreItem>
+</file>
+
+<file path=customXml/itemProps31.xml><?xml version="1.0" encoding="utf-8"?>
+<ds:datastoreItem xmlns:ds="http://schemas.openxmlformats.org/officeDocument/2006/customXml" ds:itemID="{BC0887E0-9EDD-40D3-93CA-B62AB90F2394}">
+  <ds:schemaRefs>
+    <ds:schemaRef ds:uri="http://schemas.microsoft.com/VisualStudio/2011/storyboarding/control"/>
+  </ds:schemaRefs>
+</ds:datastoreItem>
+</file>
+
+<file path=customXml/itemProps32.xml><?xml version="1.0" encoding="utf-8"?>
+<ds:datastoreItem xmlns:ds="http://schemas.openxmlformats.org/officeDocument/2006/customXml" ds:itemID="{D32075E5-C2AA-4F60-A8BE-9A6CF64B8B3A}">
+  <ds:schemaRefs>
+    <ds:schemaRef ds:uri="http://schemas.microsoft.com/VisualStudio/2011/storyboarding/control"/>
+  </ds:schemaRefs>
+</ds:datastoreItem>
+</file>
+
+<file path=customXml/itemProps33.xml><?xml version="1.0" encoding="utf-8"?>
+<ds:datastoreItem xmlns:ds="http://schemas.openxmlformats.org/officeDocument/2006/customXml" ds:itemID="{FC296919-43EC-4E85-834C-05D91266C301}">
+  <ds:schemaRefs>
+    <ds:schemaRef ds:uri="http://schemas.microsoft.com/VisualStudio/2011/storyboarding/control"/>
+  </ds:schemaRefs>
+</ds:datastoreItem>
+</file>
+
+<file path=customXml/itemProps34.xml><?xml version="1.0" encoding="utf-8"?>
+<ds:datastoreItem xmlns:ds="http://schemas.openxmlformats.org/officeDocument/2006/customXml" ds:itemID="{2746D304-EFCC-466E-B4AB-D6A9AF5AE882}">
+  <ds:schemaRefs>
+    <ds:schemaRef ds:uri="http://schemas.microsoft.com/VisualStudio/2011/storyboarding/control"/>
+  </ds:schemaRefs>
+</ds:datastoreItem>
+</file>
+
+<file path=customXml/itemProps35.xml><?xml version="1.0" encoding="utf-8"?>
+<ds:datastoreItem xmlns:ds="http://schemas.openxmlformats.org/officeDocument/2006/customXml" ds:itemID="{CA791250-6E1A-49F8-9B5F-A213C8A54470}">
+  <ds:schemaRefs>
+    <ds:schemaRef ds:uri="http://schemas.microsoft.com/VisualStudio/2011/storyboarding/control"/>
+  </ds:schemaRefs>
+</ds:datastoreItem>
+</file>
+
+<file path=customXml/itemProps36.xml><?xml version="1.0" encoding="utf-8"?>
+<ds:datastoreItem xmlns:ds="http://schemas.openxmlformats.org/officeDocument/2006/customXml" ds:itemID="{EA0790C4-D307-416E-B79D-9EAE66E18D70}">
+  <ds:schemaRefs>
+    <ds:schemaRef ds:uri="http://schemas.microsoft.com/VisualStudio/2011/storyboarding/control"/>
+  </ds:schemaRefs>
+</ds:datastoreItem>
+</file>
+
+<file path=customXml/itemProps37.xml><?xml version="1.0" encoding="utf-8"?>
 <ds:datastoreItem xmlns:ds="http://schemas.openxmlformats.org/officeDocument/2006/customXml" ds:itemID="{A30722D3-27ED-4908-81B3-8AF12BB57E1F}">
   <ds:schemaRefs>
     <ds:schemaRef ds:uri="http://schemas.microsoft.com/VisualStudio/2011/storyboarding/control"/>
@@ -18957,7 +19174,31 @@
 </ds:datastoreItem>
 </file>
 
-<file path=customXml/itemProps11.xml><?xml version="1.0" encoding="utf-8"?>
+<file path=customXml/itemProps38.xml><?xml version="1.0" encoding="utf-8"?>
+<ds:datastoreItem xmlns:ds="http://schemas.openxmlformats.org/officeDocument/2006/customXml" ds:itemID="{FB5F5C06-AB3A-49FF-AA8B-405A1A76EC4A}">
+  <ds:schemaRefs>
+    <ds:schemaRef ds:uri="http://schemas.microsoft.com/VisualStudio/2011/storyboarding/control"/>
+  </ds:schemaRefs>
+</ds:datastoreItem>
+</file>
+
+<file path=customXml/itemProps39.xml><?xml version="1.0" encoding="utf-8"?>
+<ds:datastoreItem xmlns:ds="http://schemas.openxmlformats.org/officeDocument/2006/customXml" ds:itemID="{E71F00BD-7526-4F3B-B54B-81A75C7F075B}">
+  <ds:schemaRefs>
+    <ds:schemaRef ds:uri="http://schemas.microsoft.com/VisualStudio/2011/storyboarding/control"/>
+  </ds:schemaRefs>
+</ds:datastoreItem>
+</file>
+
+<file path=customXml/itemProps4.xml><?xml version="1.0" encoding="utf-8"?>
+<ds:datastoreItem xmlns:ds="http://schemas.openxmlformats.org/officeDocument/2006/customXml" ds:itemID="{DE7BE20B-BA3B-4BBB-A0E8-B6D05392D5B9}">
+  <ds:schemaRefs>
+    <ds:schemaRef ds:uri="http://schemas.microsoft.com/VisualStudio/2011/storyboarding/control"/>
+  </ds:schemaRefs>
+</ds:datastoreItem>
+</file>
+
+<file path=customXml/itemProps40.xml><?xml version="1.0" encoding="utf-8"?>
 <ds:datastoreItem xmlns:ds="http://schemas.openxmlformats.org/officeDocument/2006/customXml" ds:itemID="{FFB82F84-38FF-47F4-869E-3E47A1E3699A}">
   <ds:schemaRefs>
     <ds:schemaRef ds:uri="http://schemas.microsoft.com/VisualStudio/2011/storyboarding/control"/>
@@ -18965,7 +19206,39 @@
 </ds:datastoreItem>
 </file>
 
-<file path=customXml/itemProps12.xml><?xml version="1.0" encoding="utf-8"?>
+<file path=customXml/itemProps41.xml><?xml version="1.0" encoding="utf-8"?>
+<ds:datastoreItem xmlns:ds="http://schemas.openxmlformats.org/officeDocument/2006/customXml" ds:itemID="{F67392A9-DBDA-49FF-B44E-14C2FD875C86}">
+  <ds:schemaRefs>
+    <ds:schemaRef ds:uri="http://schemas.microsoft.com/VisualStudio/2011/storyboarding/control"/>
+  </ds:schemaRefs>
+</ds:datastoreItem>
+</file>
+
+<file path=customXml/itemProps42.xml><?xml version="1.0" encoding="utf-8"?>
+<ds:datastoreItem xmlns:ds="http://schemas.openxmlformats.org/officeDocument/2006/customXml" ds:itemID="{879F2178-4D23-4E18-BDA0-06FF57B553B6}">
+  <ds:schemaRefs>
+    <ds:schemaRef ds:uri="http://schemas.microsoft.com/VisualStudio/2011/storyboarding/control"/>
+  </ds:schemaRefs>
+</ds:datastoreItem>
+</file>
+
+<file path=customXml/itemProps43.xml><?xml version="1.0" encoding="utf-8"?>
+<ds:datastoreItem xmlns:ds="http://schemas.openxmlformats.org/officeDocument/2006/customXml" ds:itemID="{8D052ADA-57E6-4B4D-9E80-DAA12166200C}">
+  <ds:schemaRefs>
+    <ds:schemaRef ds:uri="http://schemas.microsoft.com/VisualStudio/2011/storyboarding/control"/>
+  </ds:schemaRefs>
+</ds:datastoreItem>
+</file>
+
+<file path=customXml/itemProps44.xml><?xml version="1.0" encoding="utf-8"?>
+<ds:datastoreItem xmlns:ds="http://schemas.openxmlformats.org/officeDocument/2006/customXml" ds:itemID="{C9ACE079-E2D4-41CB-A729-E129E266C072}">
+  <ds:schemaRefs>
+    <ds:schemaRef ds:uri="http://schemas.microsoft.com/VisualStudio/2011/storyboarding/control"/>
+  </ds:schemaRefs>
+</ds:datastoreItem>
+</file>
+
+<file path=customXml/itemProps45.xml><?xml version="1.0" encoding="utf-8"?>
 <ds:datastoreItem xmlns:ds="http://schemas.openxmlformats.org/officeDocument/2006/customXml" ds:itemID="{0D4DAEC8-7379-421E-B3E8-FF083F2516E4}">
   <ds:schemaRefs>
     <ds:schemaRef ds:uri="http://schemas.microsoft.com/VisualStudio/2011/storyboarding/control"/>
@@ -18973,215 +19246,7 @@
 </ds:datastoreItem>
 </file>
 
-<file path=customXml/itemProps13.xml><?xml version="1.0" encoding="utf-8"?>
-<ds:datastoreItem xmlns:ds="http://schemas.openxmlformats.org/officeDocument/2006/customXml" ds:itemID="{80D33946-81F4-44CD-998E-ADE0EC6512E9}">
-  <ds:schemaRefs>
-    <ds:schemaRef ds:uri="http://schemas.microsoft.com/VisualStudio/2011/storyboarding/control"/>
-  </ds:schemaRefs>
-</ds:datastoreItem>
-</file>
-
-<file path=customXml/itemProps14.xml><?xml version="1.0" encoding="utf-8"?>
-<ds:datastoreItem xmlns:ds="http://schemas.openxmlformats.org/officeDocument/2006/customXml" ds:itemID="{6267FBFB-92D7-4D74-B84C-5E4D83C6B263}">
-  <ds:schemaRefs>
-    <ds:schemaRef ds:uri="http://schemas.microsoft.com/VisualStudio/2011/storyboarding/control"/>
-  </ds:schemaRefs>
-</ds:datastoreItem>
-</file>
-
-<file path=customXml/itemProps15.xml><?xml version="1.0" encoding="utf-8"?>
-<ds:datastoreItem xmlns:ds="http://schemas.openxmlformats.org/officeDocument/2006/customXml" ds:itemID="{9CB9CC9D-F9D0-4072-ADA6-A08FD353C4DB}">
-  <ds:schemaRefs>
-    <ds:schemaRef ds:uri="http://schemas.microsoft.com/VisualStudio/2011/storyboarding/control"/>
-  </ds:schemaRefs>
-</ds:datastoreItem>
-</file>
-
-<file path=customXml/itemProps16.xml><?xml version="1.0" encoding="utf-8"?>
-<ds:datastoreItem xmlns:ds="http://schemas.openxmlformats.org/officeDocument/2006/customXml" ds:itemID="{BE93AB39-998B-4756-B9BD-E7F6CA266FF2}">
-  <ds:schemaRefs>
-    <ds:schemaRef ds:uri="http://schemas.microsoft.com/VisualStudio/2011/storyboarding/control"/>
-  </ds:schemaRefs>
-</ds:datastoreItem>
-</file>
-
-<file path=customXml/itemProps17.xml><?xml version="1.0" encoding="utf-8"?>
-<ds:datastoreItem xmlns:ds="http://schemas.openxmlformats.org/officeDocument/2006/customXml" ds:itemID="{6D63DCE2-A1FC-42FF-87F3-8E68417A5128}">
-  <ds:schemaRefs>
-    <ds:schemaRef ds:uri="http://schemas.microsoft.com/VisualStudio/2011/storyboarding/control"/>
-  </ds:schemaRefs>
-</ds:datastoreItem>
-</file>
-
-<file path=customXml/itemProps18.xml><?xml version="1.0" encoding="utf-8"?>
-<ds:datastoreItem xmlns:ds="http://schemas.openxmlformats.org/officeDocument/2006/customXml" ds:itemID="{DE7BE20B-BA3B-4BBB-A0E8-B6D05392D5B9}">
-  <ds:schemaRefs>
-    <ds:schemaRef ds:uri="http://schemas.microsoft.com/VisualStudio/2011/storyboarding/control"/>
-  </ds:schemaRefs>
-</ds:datastoreItem>
-</file>
-
-<file path=customXml/itemProps19.xml><?xml version="1.0" encoding="utf-8"?>
-<ds:datastoreItem xmlns:ds="http://schemas.openxmlformats.org/officeDocument/2006/customXml" ds:itemID="{96297BAD-F55C-40B9-8683-D775E517F307}">
-  <ds:schemaRefs>
-    <ds:schemaRef ds:uri="http://schemas.microsoft.com/VisualStudio/2011/storyboarding/control"/>
-  </ds:schemaRefs>
-</ds:datastoreItem>
-</file>
-
-<file path=customXml/itemProps2.xml><?xml version="1.0" encoding="utf-8"?>
-<ds:datastoreItem xmlns:ds="http://schemas.openxmlformats.org/officeDocument/2006/customXml" ds:itemID="{C600E07D-A70F-40C3-91E3-DBB853CF6960}">
-  <ds:schemaRefs>
-    <ds:schemaRef ds:uri="http://schemas.microsoft.com/VisualStudio/2011/storyboarding/control"/>
-  </ds:schemaRefs>
-</ds:datastoreItem>
-</file>
-
-<file path=customXml/itemProps20.xml><?xml version="1.0" encoding="utf-8"?>
-<ds:datastoreItem xmlns:ds="http://schemas.openxmlformats.org/officeDocument/2006/customXml" ds:itemID="{F48B1E33-E681-49A9-8583-46A35AA3A141}">
-  <ds:schemaRefs>
-    <ds:schemaRef ds:uri="http://schemas.microsoft.com/VisualStudio/2011/storyboarding/control"/>
-  </ds:schemaRefs>
-</ds:datastoreItem>
-</file>
-
-<file path=customXml/itemProps21.xml><?xml version="1.0" encoding="utf-8"?>
-<ds:datastoreItem xmlns:ds="http://schemas.openxmlformats.org/officeDocument/2006/customXml" ds:itemID="{11324179-3348-450D-AD50-44BF1A04CD79}">
-  <ds:schemaRefs>
-    <ds:schemaRef ds:uri="http://schemas.microsoft.com/VisualStudio/2011/storyboarding/control"/>
-  </ds:schemaRefs>
-</ds:datastoreItem>
-</file>
-
-<file path=customXml/itemProps22.xml><?xml version="1.0" encoding="utf-8"?>
-<ds:datastoreItem xmlns:ds="http://schemas.openxmlformats.org/officeDocument/2006/customXml" ds:itemID="{04F4643B-75D3-4D90-B4CB-E7BA1F5A3925}">
-  <ds:schemaRefs>
-    <ds:schemaRef ds:uri="http://schemas.microsoft.com/VisualStudio/2011/storyboarding/control"/>
-  </ds:schemaRefs>
-</ds:datastoreItem>
-</file>
-
-<file path=customXml/itemProps23.xml><?xml version="1.0" encoding="utf-8"?>
-<ds:datastoreItem xmlns:ds="http://schemas.openxmlformats.org/officeDocument/2006/customXml" ds:itemID="{68E00592-4481-4E2B-8359-30C388D7B489}">
-  <ds:schemaRefs>
-    <ds:schemaRef ds:uri="http://schemas.microsoft.com/VisualStudio/2011/storyboarding/control"/>
-  </ds:schemaRefs>
-</ds:datastoreItem>
-</file>
-
-<file path=customXml/itemProps24.xml><?xml version="1.0" encoding="utf-8"?>
-<ds:datastoreItem xmlns:ds="http://schemas.openxmlformats.org/officeDocument/2006/customXml" ds:itemID="{CA791250-6E1A-49F8-9B5F-A213C8A54470}">
-  <ds:schemaRefs>
-    <ds:schemaRef ds:uri="http://schemas.microsoft.com/VisualStudio/2011/storyboarding/control"/>
-  </ds:schemaRefs>
-</ds:datastoreItem>
-</file>
-
-<file path=customXml/itemProps25.xml><?xml version="1.0" encoding="utf-8"?>
-<ds:datastoreItem xmlns:ds="http://schemas.openxmlformats.org/officeDocument/2006/customXml" ds:itemID="{8D052ADA-57E6-4B4D-9E80-DAA12166200C}">
-  <ds:schemaRefs>
-    <ds:schemaRef ds:uri="http://schemas.microsoft.com/VisualStudio/2011/storyboarding/control"/>
-  </ds:schemaRefs>
-</ds:datastoreItem>
-</file>
-
-<file path=customXml/itemProps26.xml><?xml version="1.0" encoding="utf-8"?>
-<ds:datastoreItem xmlns:ds="http://schemas.openxmlformats.org/officeDocument/2006/customXml" ds:itemID="{14130AFE-4E60-4498-94FD-26DF394806F1}">
-  <ds:schemaRefs>
-    <ds:schemaRef ds:uri="http://schemas.microsoft.com/VisualStudio/2011/storyboarding/control"/>
-  </ds:schemaRefs>
-</ds:datastoreItem>
-</file>
-
-<file path=customXml/itemProps27.xml><?xml version="1.0" encoding="utf-8"?>
-<ds:datastoreItem xmlns:ds="http://schemas.openxmlformats.org/officeDocument/2006/customXml" ds:itemID="{E8002A1B-2874-40B5-95FD-95300CEE1B28}">
-  <ds:schemaRefs>
-    <ds:schemaRef ds:uri="http://schemas.microsoft.com/VisualStudio/2011/storyboarding/control"/>
-  </ds:schemaRefs>
-</ds:datastoreItem>
-</file>
-
-<file path=customXml/itemProps28.xml><?xml version="1.0" encoding="utf-8"?>
-<ds:datastoreItem xmlns:ds="http://schemas.openxmlformats.org/officeDocument/2006/customXml" ds:itemID="{CBE9B3C5-A917-400E-98DE-423E0B788AC1}">
-  <ds:schemaRefs>
-    <ds:schemaRef ds:uri="http://schemas.microsoft.com/VisualStudio/2011/storyboarding/control"/>
-  </ds:schemaRefs>
-</ds:datastoreItem>
-</file>
-
-<file path=customXml/itemProps29.xml><?xml version="1.0" encoding="utf-8"?>
-<ds:datastoreItem xmlns:ds="http://schemas.openxmlformats.org/officeDocument/2006/customXml" ds:itemID="{53FEEB52-7F79-4B4D-90F6-AA58B7099267}">
-  <ds:schemaRefs>
-    <ds:schemaRef ds:uri="http://schemas.microsoft.com/VisualStudio/2011/storyboarding/control"/>
-  </ds:schemaRefs>
-</ds:datastoreItem>
-</file>
-
-<file path=customXml/itemProps3.xml><?xml version="1.0" encoding="utf-8"?>
-<ds:datastoreItem xmlns:ds="http://schemas.openxmlformats.org/officeDocument/2006/customXml" ds:itemID="{CC32FCBD-177F-42D8-88C5-FEB7DD0789C5}">
-  <ds:schemaRefs>
-    <ds:schemaRef ds:uri="http://schemas.microsoft.com/VisualStudio/2011/storyboarding/control"/>
-  </ds:schemaRefs>
-</ds:datastoreItem>
-</file>
-
-<file path=customXml/itemProps30.xml><?xml version="1.0" encoding="utf-8"?>
-<ds:datastoreItem xmlns:ds="http://schemas.openxmlformats.org/officeDocument/2006/customXml" ds:itemID="{E8CBCEF4-9C1C-47E3-AD95-E5773EE76549}">
-  <ds:schemaRefs>
-    <ds:schemaRef ds:uri="http://schemas.microsoft.com/VisualStudio/2011/storyboarding/control"/>
-  </ds:schemaRefs>
-</ds:datastoreItem>
-</file>
-
-<file path=customXml/itemProps31.xml><?xml version="1.0" encoding="utf-8"?>
-<ds:datastoreItem xmlns:ds="http://schemas.openxmlformats.org/officeDocument/2006/customXml" ds:itemID="{EB446808-24AC-4468-AB4F-A1EB1B6A4BCC}">
-  <ds:schemaRefs>
-    <ds:schemaRef ds:uri="http://schemas.microsoft.com/VisualStudio/2011/storyboarding/control"/>
-  </ds:schemaRefs>
-</ds:datastoreItem>
-</file>
-
-<file path=customXml/itemProps32.xml><?xml version="1.0" encoding="utf-8"?>
-<ds:datastoreItem xmlns:ds="http://schemas.openxmlformats.org/officeDocument/2006/customXml" ds:itemID="{C07AF245-FDEA-4B2B-A936-518D8D4BEFA0}">
-  <ds:schemaRefs>
-    <ds:schemaRef ds:uri="http://schemas.microsoft.com/VisualStudio/2011/storyboarding/control"/>
-  </ds:schemaRefs>
-</ds:datastoreItem>
-</file>
-
-<file path=customXml/itemProps33.xml><?xml version="1.0" encoding="utf-8"?>
-<ds:datastoreItem xmlns:ds="http://schemas.openxmlformats.org/officeDocument/2006/customXml" ds:itemID="{41D7C1DA-EE25-4ADE-8EDE-DBE0585E7F9F}">
-  <ds:schemaRefs>
-    <ds:schemaRef ds:uri="http://schemas.microsoft.com/VisualStudio/2011/storyboarding/control"/>
-  </ds:schemaRefs>
-</ds:datastoreItem>
-</file>
-
-<file path=customXml/itemProps34.xml><?xml version="1.0" encoding="utf-8"?>
-<ds:datastoreItem xmlns:ds="http://schemas.openxmlformats.org/officeDocument/2006/customXml" ds:itemID="{182315BB-4EB8-4408-8D50-FA3B4C32822C}">
-  <ds:schemaRefs>
-    <ds:schemaRef ds:uri="http://schemas.microsoft.com/VisualStudio/2011/storyboarding/control"/>
-  </ds:schemaRefs>
-</ds:datastoreItem>
-</file>
-
-<file path=customXml/itemProps35.xml><?xml version="1.0" encoding="utf-8"?>
-<ds:datastoreItem xmlns:ds="http://schemas.openxmlformats.org/officeDocument/2006/customXml" ds:itemID="{FC296919-43EC-4E85-834C-05D91266C301}">
-  <ds:schemaRefs>
-    <ds:schemaRef ds:uri="http://schemas.microsoft.com/VisualStudio/2011/storyboarding/control"/>
-  </ds:schemaRefs>
-</ds:datastoreItem>
-</file>
-
-<file path=customXml/itemProps36.xml><?xml version="1.0" encoding="utf-8"?>
-<ds:datastoreItem xmlns:ds="http://schemas.openxmlformats.org/officeDocument/2006/customXml" ds:itemID="{FB5F5C06-AB3A-49FF-AA8B-405A1A76EC4A}">
-  <ds:schemaRefs>
-    <ds:schemaRef ds:uri="http://schemas.microsoft.com/VisualStudio/2011/storyboarding/control"/>
-  </ds:schemaRefs>
-</ds:datastoreItem>
-</file>
-
-<file path=customXml/itemProps37.xml><?xml version="1.0" encoding="utf-8"?>
+<file path=customXml/itemProps46.xml><?xml version="1.0" encoding="utf-8"?>
 <ds:datastoreItem xmlns:ds="http://schemas.openxmlformats.org/officeDocument/2006/customXml" ds:itemID="{4FC30AA6-5E55-4BAB-A79A-0CF5E3F6F132}">
   <ds:schemaRefs>
     <ds:schemaRef ds:uri="http://schemas.microsoft.com/VisualStudio/2011/storyboarding/control"/>
@@ -19189,88 +19254,8 @@
 </ds:datastoreItem>
 </file>
 
-<file path=customXml/itemProps38.xml><?xml version="1.0" encoding="utf-8"?>
-<ds:datastoreItem xmlns:ds="http://schemas.openxmlformats.org/officeDocument/2006/customXml" ds:itemID="{CBFC1471-67C5-421D-953C-82827174F128}">
-  <ds:schemaRefs>
-    <ds:schemaRef ds:uri="http://schemas.microsoft.com/VisualStudio/2011/storyboarding/control"/>
-  </ds:schemaRefs>
-</ds:datastoreItem>
-</file>
-
-<file path=customXml/itemProps39.xml><?xml version="1.0" encoding="utf-8"?>
-<ds:datastoreItem xmlns:ds="http://schemas.openxmlformats.org/officeDocument/2006/customXml" ds:itemID="{8C91F00D-2897-40F0-877F-FA2C47BB0E28}">
-  <ds:schemaRefs>
-    <ds:schemaRef ds:uri="http://schemas.microsoft.com/VisualStudio/2011/storyboarding/control"/>
-  </ds:schemaRefs>
-</ds:datastoreItem>
-</file>
-
-<file path=customXml/itemProps4.xml><?xml version="1.0" encoding="utf-8"?>
-<ds:datastoreItem xmlns:ds="http://schemas.openxmlformats.org/officeDocument/2006/customXml" ds:itemID="{B13AA660-EF28-4A14-B018-8D738D12A906}">
-  <ds:schemaRefs>
-    <ds:schemaRef ds:uri="http://schemas.microsoft.com/VisualStudio/2011/storyboarding/control"/>
-  </ds:schemaRefs>
-</ds:datastoreItem>
-</file>
-
-<file path=customXml/itemProps40.xml><?xml version="1.0" encoding="utf-8"?>
-<ds:datastoreItem xmlns:ds="http://schemas.openxmlformats.org/officeDocument/2006/customXml" ds:itemID="{F67392A9-DBDA-49FF-B44E-14C2FD875C86}">
-  <ds:schemaRefs>
-    <ds:schemaRef ds:uri="http://schemas.microsoft.com/VisualStudio/2011/storyboarding/control"/>
-  </ds:schemaRefs>
-</ds:datastoreItem>
-</file>
-
-<file path=customXml/itemProps41.xml><?xml version="1.0" encoding="utf-8"?>
-<ds:datastoreItem xmlns:ds="http://schemas.openxmlformats.org/officeDocument/2006/customXml" ds:itemID="{298827B9-1EF4-4C78-827B-A7C96A2FE1FE}">
-  <ds:schemaRefs>
-    <ds:schemaRef ds:uri="http://schemas.microsoft.com/VisualStudio/2011/storyboarding/control"/>
-  </ds:schemaRefs>
-</ds:datastoreItem>
-</file>
-
-<file path=customXml/itemProps42.xml><?xml version="1.0" encoding="utf-8"?>
-<ds:datastoreItem xmlns:ds="http://schemas.openxmlformats.org/officeDocument/2006/customXml" ds:itemID="{583E0C0F-0AC0-480A-B796-46DAA2D2B22F}">
-  <ds:schemaRefs>
-    <ds:schemaRef ds:uri="http://schemas.microsoft.com/VisualStudio/2011/storyboarding/control"/>
-  </ds:schemaRefs>
-</ds:datastoreItem>
-</file>
-
-<file path=customXml/itemProps43.xml><?xml version="1.0" encoding="utf-8"?>
-<ds:datastoreItem xmlns:ds="http://schemas.openxmlformats.org/officeDocument/2006/customXml" ds:itemID="{A0AE41B5-C751-4BE2-A728-4489407E57BB}">
-  <ds:schemaRefs>
-    <ds:schemaRef ds:uri="http://schemas.microsoft.com/VisualStudio/2011/storyboarding/control"/>
-  </ds:schemaRefs>
-</ds:datastoreItem>
-</file>
-
-<file path=customXml/itemProps44.xml><?xml version="1.0" encoding="utf-8"?>
-<ds:datastoreItem xmlns:ds="http://schemas.openxmlformats.org/officeDocument/2006/customXml" ds:itemID="{8C9AED60-4F2A-4760-8DED-A5462C53FB47}">
-  <ds:schemaRefs>
-    <ds:schemaRef ds:uri="http://schemas.microsoft.com/VisualStudio/2011/storyboarding/control"/>
-  </ds:schemaRefs>
-</ds:datastoreItem>
-</file>
-
-<file path=customXml/itemProps45.xml><?xml version="1.0" encoding="utf-8"?>
-<ds:datastoreItem xmlns:ds="http://schemas.openxmlformats.org/officeDocument/2006/customXml" ds:itemID="{3414AA95-8ADB-44CB-8538-9CC882795579}">
-  <ds:schemaRefs>
-    <ds:schemaRef ds:uri="http://schemas.microsoft.com/VisualStudio/2011/storyboarding/control"/>
-  </ds:schemaRefs>
-</ds:datastoreItem>
-</file>
-
-<file path=customXml/itemProps46.xml><?xml version="1.0" encoding="utf-8"?>
-<ds:datastoreItem xmlns:ds="http://schemas.openxmlformats.org/officeDocument/2006/customXml" ds:itemID="{0F21FA22-A60C-4703-A1F6-44050722901E}">
-  <ds:schemaRefs>
-    <ds:schemaRef ds:uri="http://schemas.microsoft.com/VisualStudio/2011/storyboarding/control"/>
-  </ds:schemaRefs>
-</ds:datastoreItem>
-</file>
-
 <file path=customXml/itemProps47.xml><?xml version="1.0" encoding="utf-8"?>
-<ds:datastoreItem xmlns:ds="http://schemas.openxmlformats.org/officeDocument/2006/customXml" ds:itemID="{D3032AE8-14A9-41E6-8BB9-4553C2FFF265}">
+<ds:datastoreItem xmlns:ds="http://schemas.openxmlformats.org/officeDocument/2006/customXml" ds:itemID="{85668304-9F0E-4BA4-9D70-79F50D92E738}">
   <ds:schemaRefs>
     <ds:schemaRef ds:uri="http://schemas.microsoft.com/VisualStudio/2011/storyboarding/control"/>
   </ds:schemaRefs>
@@ -19278,7 +19263,7 @@
 </file>
 
 <file path=customXml/itemProps48.xml><?xml version="1.0" encoding="utf-8"?>
-<ds:datastoreItem xmlns:ds="http://schemas.openxmlformats.org/officeDocument/2006/customXml" ds:itemID="{EA0790C4-D307-416E-B79D-9EAE66E18D70}">
+<ds:datastoreItem xmlns:ds="http://schemas.openxmlformats.org/officeDocument/2006/customXml" ds:itemID="{14130AFE-4E60-4498-94FD-26DF394806F1}">
   <ds:schemaRefs>
     <ds:schemaRef ds:uri="http://schemas.microsoft.com/VisualStudio/2011/storyboarding/control"/>
   </ds:schemaRefs>
@@ -19294,7 +19279,7 @@
 </file>
 
 <file path=customXml/itemProps5.xml><?xml version="1.0" encoding="utf-8"?>
-<ds:datastoreItem xmlns:ds="http://schemas.openxmlformats.org/officeDocument/2006/customXml" ds:itemID="{F3D15DDB-BCBB-460E-9E76-10E04BFFCF82}">
+<ds:datastoreItem xmlns:ds="http://schemas.openxmlformats.org/officeDocument/2006/customXml" ds:itemID="{9CB9CC9D-F9D0-4072-ADA6-A08FD353C4DB}">
   <ds:schemaRefs>
     <ds:schemaRef ds:uri="http://schemas.microsoft.com/VisualStudio/2011/storyboarding/control"/>
   </ds:schemaRefs>
@@ -19302,6 +19287,62 @@
 </file>
 
 <file path=customXml/itemProps50.xml><?xml version="1.0" encoding="utf-8"?>
+<ds:datastoreItem xmlns:ds="http://schemas.openxmlformats.org/officeDocument/2006/customXml" ds:itemID="{7C8000B4-1F75-4A2D-9225-09BE78F6A6CF}">
+  <ds:schemaRefs>
+    <ds:schemaRef ds:uri="http://schemas.microsoft.com/VisualStudio/2011/storyboarding/control"/>
+  </ds:schemaRefs>
+</ds:datastoreItem>
+</file>
+
+<file path=customXml/itemProps51.xml><?xml version="1.0" encoding="utf-8"?>
+<ds:datastoreItem xmlns:ds="http://schemas.openxmlformats.org/officeDocument/2006/customXml" ds:itemID="{E8CBCEF4-9C1C-47E3-AD95-E5773EE76549}">
+  <ds:schemaRefs>
+    <ds:schemaRef ds:uri="http://schemas.microsoft.com/VisualStudio/2011/storyboarding/control"/>
+  </ds:schemaRefs>
+</ds:datastoreItem>
+</file>
+
+<file path=customXml/itemProps52.xml><?xml version="1.0" encoding="utf-8"?>
+<ds:datastoreItem xmlns:ds="http://schemas.openxmlformats.org/officeDocument/2006/customXml" ds:itemID="{2FB4F82B-DBCD-4635-A6A6-32F7F200B46C}">
+  <ds:schemaRefs>
+    <ds:schemaRef ds:uri="http://schemas.microsoft.com/VisualStudio/2011/storyboarding/control"/>
+  </ds:schemaRefs>
+</ds:datastoreItem>
+</file>
+
+<file path=customXml/itemProps53.xml><?xml version="1.0" encoding="utf-8"?>
+<ds:datastoreItem xmlns:ds="http://schemas.openxmlformats.org/officeDocument/2006/customXml" ds:itemID="{80D33946-81F4-44CD-998E-ADE0EC6512E9}">
+  <ds:schemaRefs>
+    <ds:schemaRef ds:uri="http://schemas.microsoft.com/VisualStudio/2011/storyboarding/control"/>
+  </ds:schemaRefs>
+</ds:datastoreItem>
+</file>
+
+<file path=customXml/itemProps54.xml><?xml version="1.0" encoding="utf-8"?>
+<ds:datastoreItem xmlns:ds="http://schemas.openxmlformats.org/officeDocument/2006/customXml" ds:itemID="{298827B9-1EF4-4C78-827B-A7C96A2FE1FE}">
+  <ds:schemaRefs>
+    <ds:schemaRef ds:uri="http://schemas.microsoft.com/VisualStudio/2011/storyboarding/control"/>
+  </ds:schemaRefs>
+</ds:datastoreItem>
+</file>
+
+<file path=customXml/itemProps55.xml><?xml version="1.0" encoding="utf-8"?>
+<ds:datastoreItem xmlns:ds="http://schemas.openxmlformats.org/officeDocument/2006/customXml" ds:itemID="{A182F6B9-36DB-45AC-8D63-BA6438C93745}">
+  <ds:schemaRefs>
+    <ds:schemaRef ds:uri="http://schemas.microsoft.com/VisualStudio/2011/storyboarding/control"/>
+  </ds:schemaRefs>
+</ds:datastoreItem>
+</file>
+
+<file path=customXml/itemProps56.xml><?xml version="1.0" encoding="utf-8"?>
+<ds:datastoreItem xmlns:ds="http://schemas.openxmlformats.org/officeDocument/2006/customXml" ds:itemID="{E8002A1B-2874-40B5-95FD-95300CEE1B28}">
+  <ds:schemaRefs>
+    <ds:schemaRef ds:uri="http://schemas.microsoft.com/VisualStudio/2011/storyboarding/control"/>
+  </ds:schemaRefs>
+</ds:datastoreItem>
+</file>
+
+<file path=customXml/itemProps57.xml><?xml version="1.0" encoding="utf-8"?>
 <ds:datastoreItem xmlns:ds="http://schemas.openxmlformats.org/officeDocument/2006/customXml" ds:itemID="{9BA83C1F-7238-4681-9ED0-A1F03745A84B}">
   <ds:schemaRefs>
     <ds:schemaRef ds:uri="http://schemas.microsoft.com/VisualStudio/2011/storyboarding/control"/>
@@ -19309,39 +19350,31 @@
 </ds:datastoreItem>
 </file>
 
-<file path=customXml/itemProps51.xml><?xml version="1.0" encoding="utf-8"?>
-<ds:datastoreItem xmlns:ds="http://schemas.openxmlformats.org/officeDocument/2006/customXml" ds:itemID="{BFAA198F-1694-4EE0-8623-F1193A6C08F3}">
+<file path=customXml/itemProps58.xml><?xml version="1.0" encoding="utf-8"?>
+<ds:datastoreItem xmlns:ds="http://schemas.openxmlformats.org/officeDocument/2006/customXml" ds:itemID="{6267FBFB-92D7-4D74-B84C-5E4D83C6B263}">
   <ds:schemaRefs>
     <ds:schemaRef ds:uri="http://schemas.microsoft.com/VisualStudio/2011/storyboarding/control"/>
   </ds:schemaRefs>
 </ds:datastoreItem>
 </file>
 
-<file path=customXml/itemProps52.xml><?xml version="1.0" encoding="utf-8"?>
-<ds:datastoreItem xmlns:ds="http://schemas.openxmlformats.org/officeDocument/2006/customXml" ds:itemID="{BC0887E0-9EDD-40D3-93CA-B62AB90F2394}">
+<file path=customXml/itemProps59.xml><?xml version="1.0" encoding="utf-8"?>
+<ds:datastoreItem xmlns:ds="http://schemas.openxmlformats.org/officeDocument/2006/customXml" ds:itemID="{CBFC1471-67C5-421D-953C-82827174F128}">
   <ds:schemaRefs>
     <ds:schemaRef ds:uri="http://schemas.microsoft.com/VisualStudio/2011/storyboarding/control"/>
   </ds:schemaRefs>
 </ds:datastoreItem>
 </file>
 
-<file path=customXml/itemProps53.xml><?xml version="1.0" encoding="utf-8"?>
-<ds:datastoreItem xmlns:ds="http://schemas.openxmlformats.org/officeDocument/2006/customXml" ds:itemID="{C9ACE079-E2D4-41CB-A729-E129E266C072}">
+<file path=customXml/itemProps6.xml><?xml version="1.0" encoding="utf-8"?>
+<ds:datastoreItem xmlns:ds="http://schemas.openxmlformats.org/officeDocument/2006/customXml" ds:itemID="{8C9AED60-4F2A-4760-8DED-A5462C53FB47}">
   <ds:schemaRefs>
     <ds:schemaRef ds:uri="http://schemas.microsoft.com/VisualStudio/2011/storyboarding/control"/>
   </ds:schemaRefs>
 </ds:datastoreItem>
 </file>
 
-<file path=customXml/itemProps54.xml><?xml version="1.0" encoding="utf-8"?>
-<ds:datastoreItem xmlns:ds="http://schemas.openxmlformats.org/officeDocument/2006/customXml" ds:itemID="{2FB4F82B-DBCD-4635-A6A6-32F7F200B46C}">
-  <ds:schemaRefs>
-    <ds:schemaRef ds:uri="http://schemas.microsoft.com/VisualStudio/2011/storyboarding/control"/>
-  </ds:schemaRefs>
-</ds:datastoreItem>
-</file>
-
-<file path=customXml/itemProps55.xml><?xml version="1.0" encoding="utf-8"?>
+<file path=customXml/itemProps60.xml><?xml version="1.0" encoding="utf-8"?>
 <ds:datastoreItem xmlns:ds="http://schemas.openxmlformats.org/officeDocument/2006/customXml" ds:itemID="{98122A86-D86F-46F2-8268-81E33EA4636A}">
   <ds:schemaRefs>
     <ds:schemaRef ds:uri="http://schemas.microsoft.com/VisualStudio/2011/storyboarding/control"/>
@@ -19349,56 +19382,8 @@
 </ds:datastoreItem>
 </file>
 
-<file path=customXml/itemProps56.xml><?xml version="1.0" encoding="utf-8"?>
-<ds:datastoreItem xmlns:ds="http://schemas.openxmlformats.org/officeDocument/2006/customXml" ds:itemID="{C2713238-B89D-4ED6-A056-0FA4DFB06AB1}">
-  <ds:schemaRefs>
-    <ds:schemaRef ds:uri="http://schemas.microsoft.com/VisualStudio/2011/storyboarding/control"/>
-  </ds:schemaRefs>
-</ds:datastoreItem>
-</file>
-
-<file path=customXml/itemProps57.xml><?xml version="1.0" encoding="utf-8"?>
-<ds:datastoreItem xmlns:ds="http://schemas.openxmlformats.org/officeDocument/2006/customXml" ds:itemID="{D65AF806-1B66-4A13-97F8-3F64FD25D2A0}">
-  <ds:schemaRefs>
-    <ds:schemaRef ds:uri="http://schemas.microsoft.com/VisualStudio/2011/storyboarding/control"/>
-  </ds:schemaRefs>
-</ds:datastoreItem>
-</file>
-
-<file path=customXml/itemProps58.xml><?xml version="1.0" encoding="utf-8"?>
-<ds:datastoreItem xmlns:ds="http://schemas.openxmlformats.org/officeDocument/2006/customXml" ds:itemID="{B3B144FB-8DEC-442E-B525-8287DB341B2B}">
-  <ds:schemaRefs>
-    <ds:schemaRef ds:uri="http://schemas.microsoft.com/VisualStudio/2011/storyboarding/control"/>
-  </ds:schemaRefs>
-</ds:datastoreItem>
-</file>
-
-<file path=customXml/itemProps59.xml><?xml version="1.0" encoding="utf-8"?>
-<ds:datastoreItem xmlns:ds="http://schemas.openxmlformats.org/officeDocument/2006/customXml" ds:itemID="{E71F00BD-7526-4F3B-B54B-81A75C7F075B}">
-  <ds:schemaRefs>
-    <ds:schemaRef ds:uri="http://schemas.microsoft.com/VisualStudio/2011/storyboarding/control"/>
-  </ds:schemaRefs>
-</ds:datastoreItem>
-</file>
-
-<file path=customXml/itemProps6.xml><?xml version="1.0" encoding="utf-8"?>
-<ds:datastoreItem xmlns:ds="http://schemas.openxmlformats.org/officeDocument/2006/customXml" ds:itemID="{628EAB25-F23C-4A91-8FC2-DD3A0798056D}">
-  <ds:schemaRefs>
-    <ds:schemaRef ds:uri="http://schemas.microsoft.com/VisualStudio/2011/storyboarding/control"/>
-  </ds:schemaRefs>
-</ds:datastoreItem>
-</file>
-
-<file path=customXml/itemProps60.xml><?xml version="1.0" encoding="utf-8"?>
-<ds:datastoreItem xmlns:ds="http://schemas.openxmlformats.org/officeDocument/2006/customXml" ds:itemID="{069DF31B-8028-4A4B-A05D-73D6F4E82BC5}">
-  <ds:schemaRefs>
-    <ds:schemaRef ds:uri="http://schemas.microsoft.com/VisualStudio/2011/storyboarding/control"/>
-  </ds:schemaRefs>
-</ds:datastoreItem>
-</file>
-
 <file path=customXml/itemProps61.xml><?xml version="1.0" encoding="utf-8"?>
-<ds:datastoreItem xmlns:ds="http://schemas.openxmlformats.org/officeDocument/2006/customXml" ds:itemID="{2746D304-EFCC-466E-B4AB-D6A9AF5AE882}">
+<ds:datastoreItem xmlns:ds="http://schemas.openxmlformats.org/officeDocument/2006/customXml" ds:itemID="{BE93AB39-998B-4756-B9BD-E7F6CA266FF2}">
   <ds:schemaRefs>
     <ds:schemaRef ds:uri="http://schemas.microsoft.com/VisualStudio/2011/storyboarding/control"/>
   </ds:schemaRefs>
@@ -19406,7 +19391,7 @@
 </file>
 
 <file path=customXml/itemProps62.xml><?xml version="1.0" encoding="utf-8"?>
-<ds:datastoreItem xmlns:ds="http://schemas.openxmlformats.org/officeDocument/2006/customXml" ds:itemID="{879F2178-4D23-4E18-BDA0-06FF57B553B6}">
+<ds:datastoreItem xmlns:ds="http://schemas.openxmlformats.org/officeDocument/2006/customXml" ds:itemID="{583E0C0F-0AC0-480A-B796-46DAA2D2B22F}">
   <ds:schemaRefs>
     <ds:schemaRef ds:uri="http://schemas.microsoft.com/VisualStudio/2011/storyboarding/control"/>
   </ds:schemaRefs>
@@ -19414,7 +19399,7 @@
 </file>
 
 <file path=customXml/itemProps63.xml><?xml version="1.0" encoding="utf-8"?>
-<ds:datastoreItem xmlns:ds="http://schemas.openxmlformats.org/officeDocument/2006/customXml" ds:itemID="{85668304-9F0E-4BA4-9D70-79F50D92E738}">
+<ds:datastoreItem xmlns:ds="http://schemas.openxmlformats.org/officeDocument/2006/customXml" ds:itemID="{C600E07D-A70F-40C3-91E3-DBB853CF6960}">
   <ds:schemaRefs>
     <ds:schemaRef ds:uri="http://schemas.microsoft.com/VisualStudio/2011/storyboarding/control"/>
   </ds:schemaRefs>
@@ -19422,7 +19407,7 @@
 </file>
 
 <file path=customXml/itemProps64.xml><?xml version="1.0" encoding="utf-8"?>
-<ds:datastoreItem xmlns:ds="http://schemas.openxmlformats.org/officeDocument/2006/customXml" ds:itemID="{7C8000B4-1F75-4A2D-9225-09BE78F6A6CF}">
+<ds:datastoreItem xmlns:ds="http://schemas.openxmlformats.org/officeDocument/2006/customXml" ds:itemID="{CBE9B3C5-A917-400E-98DE-423E0B788AC1}">
   <ds:schemaRefs>
     <ds:schemaRef ds:uri="http://schemas.microsoft.com/VisualStudio/2011/storyboarding/control"/>
   </ds:schemaRefs>
@@ -19430,7 +19415,7 @@
 </file>
 
 <file path=customXml/itemProps7.xml><?xml version="1.0" encoding="utf-8"?>
-<ds:datastoreItem xmlns:ds="http://schemas.openxmlformats.org/officeDocument/2006/customXml" ds:itemID="{6494CEC1-8EAC-4B54-8BE8-7F35160D8CC8}">
+<ds:datastoreItem xmlns:ds="http://schemas.openxmlformats.org/officeDocument/2006/customXml" ds:itemID="{CC32FCBD-177F-42D8-88C5-FEB7DD0789C5}">
   <ds:schemaRefs>
     <ds:schemaRef ds:uri="http://schemas.microsoft.com/VisualStudio/2011/storyboarding/control"/>
   </ds:schemaRefs>
@@ -19438,7 +19423,7 @@
 </file>
 
 <file path=customXml/itemProps8.xml><?xml version="1.0" encoding="utf-8"?>
-<ds:datastoreItem xmlns:ds="http://schemas.openxmlformats.org/officeDocument/2006/customXml" ds:itemID="{4423444C-A97A-4A94-8F35-1789E97D6974}">
+<ds:datastoreItem xmlns:ds="http://schemas.openxmlformats.org/officeDocument/2006/customXml" ds:itemID="{53FEEB52-7F79-4B4D-90F6-AA58B7099267}">
   <ds:schemaRefs>
     <ds:schemaRef ds:uri="http://schemas.microsoft.com/VisualStudio/2011/storyboarding/control"/>
   </ds:schemaRefs>
@@ -19446,7 +19431,7 @@
 </file>
 
 <file path=customXml/itemProps9.xml><?xml version="1.0" encoding="utf-8"?>
-<ds:datastoreItem xmlns:ds="http://schemas.openxmlformats.org/officeDocument/2006/customXml" ds:itemID="{D32075E5-C2AA-4F60-A8BE-9A6CF64B8B3A}">
+<ds:datastoreItem xmlns:ds="http://schemas.openxmlformats.org/officeDocument/2006/customXml" ds:itemID="{96297BAD-F55C-40B9-8683-D775E517F307}">
   <ds:schemaRefs>
     <ds:schemaRef ds:uri="http://schemas.microsoft.com/VisualStudio/2011/storyboarding/control"/>
   </ds:schemaRefs>
